--- a/docs/speaking-3/speaking3.pptx
+++ b/docs/speaking-3/speaking3.pptx
@@ -117,6 +117,11 @@
       </a:defRPr>
     </a:lvl9pPr>
   </p:defaultTextStyle>
+  <p:extLst>
+    <p:ext uri="{EFAFB233-063F-42B5-8137-9DF3F51BA10A}">
+      <p15:sldGuideLst xmlns:p15="http://schemas.microsoft.com/office/powerpoint/2012/main"/>
+    </p:ext>
+  </p:extLst>
 </p:presentation>
 </file>
 
@@ -5415,25 +5420,35 @@
           </a:p>
         </p:txBody>
       </p:sp>
-      <p:sp>
-        <p:nvSpPr>
-          <p:cNvPr id="3" name="Content Placeholder 2"/>
-          <p:cNvSpPr>
-            <a:spLocks noGrp="1"/>
-          </p:cNvSpPr>
+      <p:pic>
+        <p:nvPicPr>
+          <p:cNvPr id="5" name="Content Placeholder 4"/>
+          <p:cNvPicPr>
+            <a:picLocks noGrp="1" noChangeAspect="1"/>
+          </p:cNvPicPr>
           <p:nvPr>
             <p:ph idx="1"/>
           </p:nvPr>
-        </p:nvSpPr>
-        <p:spPr/>
-        <p:txBody>
-          <a:bodyPr/>
-          <a:lstStyle/>
-          <a:p>
-            <a:endParaRPr lang="en-US" dirty="0"/>
-          </a:p>
-        </p:txBody>
-      </p:sp>
+        </p:nvPicPr>
+        <p:blipFill>
+          <a:blip r:embed="rId2">
+            <a:extLst>
+              <a:ext uri="{28A0092B-C50C-407E-A947-70E740481C1C}">
+                <a14:useLocalDpi xmlns:a14="http://schemas.microsoft.com/office/drawing/2010/main" val="0"/>
+              </a:ext>
+            </a:extLst>
+          </a:blip>
+          <a:stretch>
+            <a:fillRect/>
+          </a:stretch>
+        </p:blipFill>
+        <p:spPr>
+          <a:xfrm>
+            <a:off x="822325" y="2432685"/>
+            <a:ext cx="7543800" cy="2849880"/>
+          </a:xfrm>
+        </p:spPr>
+      </p:pic>
       <p:sp>
         <p:nvSpPr>
           <p:cNvPr id="4" name="TextBox 3"/>
@@ -5552,25 +5567,35 @@
           </a:p>
         </p:txBody>
       </p:sp>
-      <p:sp>
-        <p:nvSpPr>
-          <p:cNvPr id="3" name="Content Placeholder 2"/>
-          <p:cNvSpPr>
-            <a:spLocks noGrp="1"/>
-          </p:cNvSpPr>
+      <p:pic>
+        <p:nvPicPr>
+          <p:cNvPr id="5" name="Content Placeholder 4"/>
+          <p:cNvPicPr>
+            <a:picLocks noGrp="1" noChangeAspect="1"/>
+          </p:cNvPicPr>
           <p:nvPr>
             <p:ph idx="1"/>
           </p:nvPr>
-        </p:nvSpPr>
-        <p:spPr/>
-        <p:txBody>
-          <a:bodyPr/>
-          <a:lstStyle/>
-          <a:p>
-            <a:endParaRPr lang="en-US"/>
-          </a:p>
-        </p:txBody>
-      </p:sp>
+        </p:nvPicPr>
+        <p:blipFill>
+          <a:blip r:embed="rId2">
+            <a:extLst>
+              <a:ext uri="{28A0092B-C50C-407E-A947-70E740481C1C}">
+                <a14:useLocalDpi xmlns:a14="http://schemas.microsoft.com/office/drawing/2010/main" val="0"/>
+              </a:ext>
+            </a:extLst>
+          </a:blip>
+          <a:stretch>
+            <a:fillRect/>
+          </a:stretch>
+        </p:blipFill>
+        <p:spPr>
+          <a:xfrm>
+            <a:off x="1040182" y="2779324"/>
+            <a:ext cx="7109355" cy="1920240"/>
+          </a:xfrm>
+        </p:spPr>
+      </p:pic>
       <p:sp>
         <p:nvSpPr>
           <p:cNvPr id="4" name="TextBox 3"/>

--- a/docs/speaking-3/speaking3.pptx
+++ b/docs/speaking-3/speaking3.pptx
@@ -3959,7 +3959,82 @@
           <a:bodyPr/>
           <a:lstStyle/>
           <a:p>
-            <a:endParaRPr lang="en-US"/>
+            <a:r>
+              <a:rPr lang="en-US" dirty="0" smtClean="0"/>
+              <a:t>Chrome extension supporting embedded links and popups</a:t>
+            </a:r>
+          </a:p>
+          <a:p>
+            <a:pPr lvl="1"/>
+            <a:r>
+              <a:rPr lang="en-US" dirty="0" smtClean="0"/>
+              <a:t>Still no public API for explainshell.com</a:t>
+            </a:r>
+          </a:p>
+          <a:p>
+            <a:pPr lvl="1"/>
+            <a:r>
+              <a:rPr lang="en-US" dirty="0" smtClean="0"/>
+              <a:t>Popups pull up the full </a:t>
+            </a:r>
+            <a:r>
+              <a:rPr lang="en-US" dirty="0" err="1" smtClean="0"/>
+              <a:t>explainshell</a:t>
+            </a:r>
+            <a:r>
+              <a:rPr lang="en-US" dirty="0" smtClean="0"/>
+              <a:t> website in a window rather than intelligently using that data</a:t>
+            </a:r>
+          </a:p>
+          <a:p>
+            <a:pPr lvl="1"/>
+            <a:r>
+              <a:rPr lang="en-US" dirty="0" smtClean="0"/>
+              <a:t>Some limitations – no HTTPS</a:t>
+            </a:r>
+          </a:p>
+          <a:p>
+            <a:pPr lvl="1"/>
+            <a:r>
+              <a:rPr lang="en-US" dirty="0" smtClean="0"/>
+              <a:t>Reports usage correctly to the trend website</a:t>
+            </a:r>
+          </a:p>
+          <a:p>
+            <a:r>
+              <a:rPr lang="en-US" dirty="0" smtClean="0"/>
+              <a:t>Fully functional trends website</a:t>
+            </a:r>
+          </a:p>
+          <a:p>
+            <a:pPr lvl="1"/>
+            <a:r>
+              <a:rPr lang="en-US" dirty="0" smtClean="0"/>
+              <a:t>Track number of uses of extension</a:t>
+            </a:r>
+          </a:p>
+          <a:p>
+            <a:pPr lvl="1"/>
+            <a:r>
+              <a:rPr lang="en-US" dirty="0" smtClean="0"/>
+              <a:t>View clicks by time, source page, domain, and command</a:t>
+            </a:r>
+          </a:p>
+          <a:p>
+            <a:pPr lvl="1"/>
+            <a:r>
+              <a:rPr lang="en-US" dirty="0" smtClean="0"/>
+              <a:t>Pretty insecure right now: no authentication, API call in plain text </a:t>
+            </a:r>
+            <a:r>
+              <a:rPr lang="en-US" dirty="0" err="1" smtClean="0"/>
+              <a:t>Javascript</a:t>
+            </a:r>
+            <a:endParaRPr lang="en-US" dirty="0" smtClean="0"/>
+          </a:p>
+          <a:p>
+            <a:pPr lvl="1"/>
+            <a:endParaRPr lang="en-US" dirty="0"/>
           </a:p>
         </p:txBody>
       </p:sp>
@@ -4081,25 +4156,35 @@
           </a:p>
         </p:txBody>
       </p:sp>
-      <p:sp>
-        <p:nvSpPr>
-          <p:cNvPr id="3" name="Content Placeholder 2"/>
-          <p:cNvSpPr>
-            <a:spLocks noGrp="1"/>
-          </p:cNvSpPr>
+      <p:pic>
+        <p:nvPicPr>
+          <p:cNvPr id="4" name="Content Placeholder 3"/>
+          <p:cNvPicPr>
+            <a:picLocks noGrp="1" noChangeAspect="1"/>
+          </p:cNvPicPr>
           <p:nvPr>
             <p:ph idx="1"/>
           </p:nvPr>
-        </p:nvSpPr>
-        <p:spPr/>
-        <p:txBody>
-          <a:bodyPr/>
-          <a:lstStyle/>
-          <a:p>
-            <a:endParaRPr lang="en-US"/>
-          </a:p>
-        </p:txBody>
-      </p:sp>
+        </p:nvPicPr>
+        <p:blipFill>
+          <a:blip r:embed="rId2">
+            <a:extLst>
+              <a:ext uri="{28A0092B-C50C-407E-A947-70E740481C1C}">
+                <a14:useLocalDpi xmlns:a14="http://schemas.microsoft.com/office/drawing/2010/main" val="0"/>
+              </a:ext>
+            </a:extLst>
+          </a:blip>
+          <a:stretch>
+            <a:fillRect/>
+          </a:stretch>
+        </p:blipFill>
+        <p:spPr>
+          <a:xfrm>
+            <a:off x="1826590" y="1846263"/>
+            <a:ext cx="5535269" cy="4022725"/>
+          </a:xfrm>
+        </p:spPr>
+      </p:pic>
       <p:sp>
         <p:nvSpPr>
           <p:cNvPr id="5" name="TextBox 4"/>
@@ -4364,7 +4449,72 @@
           <a:bodyPr/>
           <a:lstStyle/>
           <a:p>
+            <a:r>
+              <a:rPr lang="en-US" dirty="0" smtClean="0"/>
+              <a:t>Plan lots of extra time to accommodate for changing schedules</a:t>
+            </a:r>
+          </a:p>
+          <a:p>
+            <a:pPr lvl="1"/>
+            <a:r>
+              <a:rPr lang="en-US" dirty="0" smtClean="0"/>
+              <a:t>We were often behind deadlines, causing others to be held up by bottlenecks</a:t>
+            </a:r>
+          </a:p>
+          <a:p>
+            <a:pPr lvl="1"/>
+            <a:r>
+              <a:rPr lang="en-US" dirty="0" smtClean="0"/>
+              <a:t>Keep people accountable to their promises</a:t>
+            </a:r>
             <a:endParaRPr lang="en-US" dirty="0"/>
+          </a:p>
+          <a:p>
+            <a:r>
+              <a:rPr lang="en-US" dirty="0" smtClean="0"/>
+              <a:t>Contributing to open source software is a large undertaking</a:t>
+            </a:r>
+          </a:p>
+          <a:p>
+            <a:pPr lvl="1"/>
+            <a:r>
+              <a:rPr lang="en-US" dirty="0" smtClean="0"/>
+              <a:t>Need to read lots of documentation and unfamiliar code</a:t>
+            </a:r>
+          </a:p>
+          <a:p>
+            <a:pPr lvl="1"/>
+            <a:r>
+              <a:rPr lang="en-US" dirty="0" smtClean="0"/>
+              <a:t>Pull requests take time</a:t>
+            </a:r>
+          </a:p>
+          <a:p>
+            <a:pPr lvl="1"/>
+            <a:r>
+              <a:rPr lang="en-US" dirty="0" smtClean="0"/>
+              <a:t>A lot more time is needed to do it properly</a:t>
+            </a:r>
+          </a:p>
+          <a:p>
+            <a:r>
+              <a:rPr lang="en-US" dirty="0" smtClean="0"/>
+              <a:t>Documenting your code is essential</a:t>
+            </a:r>
+          </a:p>
+          <a:p>
+            <a:pPr lvl="1"/>
+            <a:r>
+              <a:rPr lang="en-US" dirty="0" smtClean="0"/>
+              <a:t>We often had problems running each others’ code</a:t>
+            </a:r>
+          </a:p>
+          <a:p>
+            <a:pPr lvl="1"/>
+            <a:r>
+              <a:rPr lang="en-US" dirty="0" smtClean="0"/>
+              <a:t>Time is wasted trying to decipher what code is doing rather than adding to it</a:t>
+            </a:r>
           </a:p>
         </p:txBody>
       </p:sp>

--- a/docs/speaking-3/speaking3.pptx
+++ b/docs/speaking-3/speaking3.pptx
@@ -12,13 +12,14 @@
     <p:sldId id="260" r:id="rId6"/>
     <p:sldId id="261" r:id="rId7"/>
     <p:sldId id="262" r:id="rId8"/>
-    <p:sldId id="263" r:id="rId9"/>
-    <p:sldId id="264" r:id="rId10"/>
-    <p:sldId id="265" r:id="rId11"/>
-    <p:sldId id="266" r:id="rId12"/>
-    <p:sldId id="267" r:id="rId13"/>
+    <p:sldId id="270" r:id="rId9"/>
+    <p:sldId id="263" r:id="rId10"/>
+    <p:sldId id="264" r:id="rId11"/>
+    <p:sldId id="265" r:id="rId12"/>
+    <p:sldId id="271" r:id="rId13"/>
     <p:sldId id="268" r:id="rId14"/>
-    <p:sldId id="269" r:id="rId15"/>
+    <p:sldId id="267" r:id="rId15"/>
+    <p:sldId id="266" r:id="rId16"/>
   </p:sldIdLst>
   <p:sldSz cx="9144000" cy="6858000" type="screen4x3"/>
   <p:notesSz cx="6858000" cy="9144000"/>
@@ -351,7 +352,7 @@
           <a:p>
             <a:fld id="{FCA8D81E-2153-4DD4-AD9F-27C94174D15A}" type="datetimeFigureOut">
               <a:rPr lang="en-US" smtClean="0"/>
-              <a:t>12/1/2014</a:t>
+              <a:t>12/2/2014</a:t>
             </a:fld>
             <a:endParaRPr lang="en-US"/>
           </a:p>
@@ -559,7 +560,7 @@
           <a:p>
             <a:fld id="{FCA8D81E-2153-4DD4-AD9F-27C94174D15A}" type="datetimeFigureOut">
               <a:rPr lang="en-US" smtClean="0"/>
-              <a:t>12/1/2014</a:t>
+              <a:t>12/2/2014</a:t>
             </a:fld>
             <a:endParaRPr lang="en-US"/>
           </a:p>
@@ -815,7 +816,7 @@
           <a:p>
             <a:fld id="{FCA8D81E-2153-4DD4-AD9F-27C94174D15A}" type="datetimeFigureOut">
               <a:rPr lang="en-US" smtClean="0"/>
-              <a:t>12/1/2014</a:t>
+              <a:t>12/2/2014</a:t>
             </a:fld>
             <a:endParaRPr lang="en-US"/>
           </a:p>
@@ -985,7 +986,7 @@
           <a:p>
             <a:fld id="{FCA8D81E-2153-4DD4-AD9F-27C94174D15A}" type="datetimeFigureOut">
               <a:rPr lang="en-US" smtClean="0"/>
-              <a:t>12/1/2014</a:t>
+              <a:t>12/2/2014</a:t>
             </a:fld>
             <a:endParaRPr lang="en-US"/>
           </a:p>
@@ -1328,7 +1329,7 @@
           <a:p>
             <a:fld id="{FCA8D81E-2153-4DD4-AD9F-27C94174D15A}" type="datetimeFigureOut">
               <a:rPr lang="en-US" smtClean="0"/>
-              <a:t>12/1/2014</a:t>
+              <a:t>12/2/2014</a:t>
             </a:fld>
             <a:endParaRPr lang="en-US"/>
           </a:p>
@@ -1603,7 +1604,7 @@
           <a:p>
             <a:fld id="{FCA8D81E-2153-4DD4-AD9F-27C94174D15A}" type="datetimeFigureOut">
               <a:rPr lang="en-US" smtClean="0"/>
-              <a:t>12/1/2014</a:t>
+              <a:t>12/2/2014</a:t>
             </a:fld>
             <a:endParaRPr lang="en-US"/>
           </a:p>
@@ -1982,7 +1983,7 @@
           <a:p>
             <a:fld id="{FCA8D81E-2153-4DD4-AD9F-27C94174D15A}" type="datetimeFigureOut">
               <a:rPr lang="en-US" smtClean="0"/>
-              <a:t>12/1/2014</a:t>
+              <a:t>12/2/2014</a:t>
             </a:fld>
             <a:endParaRPr lang="en-US"/>
           </a:p>
@@ -2100,7 +2101,7 @@
           <a:p>
             <a:fld id="{FCA8D81E-2153-4DD4-AD9F-27C94174D15A}" type="datetimeFigureOut">
               <a:rPr lang="en-US" smtClean="0"/>
-              <a:t>12/1/2014</a:t>
+              <a:t>12/2/2014</a:t>
             </a:fld>
             <a:endParaRPr lang="en-US"/>
           </a:p>
@@ -2271,7 +2272,7 @@
           <a:p>
             <a:fld id="{FCA8D81E-2153-4DD4-AD9F-27C94174D15A}" type="datetimeFigureOut">
               <a:rPr lang="en-US" smtClean="0"/>
-              <a:t>12/1/2014</a:t>
+              <a:t>12/2/2014</a:t>
             </a:fld>
             <a:endParaRPr lang="en-US"/>
           </a:p>
@@ -2625,7 +2626,7 @@
           <a:p>
             <a:fld id="{FCA8D81E-2153-4DD4-AD9F-27C94174D15A}" type="datetimeFigureOut">
               <a:rPr lang="en-US" smtClean="0"/>
-              <a:t>12/1/2014</a:t>
+              <a:t>12/2/2014</a:t>
             </a:fld>
             <a:endParaRPr lang="en-US"/>
           </a:p>
@@ -3007,7 +3008,7 @@
           <a:p>
             <a:fld id="{FCA8D81E-2153-4DD4-AD9F-27C94174D15A}" type="datetimeFigureOut">
               <a:rPr lang="en-US" smtClean="0"/>
-              <a:t>12/1/2014</a:t>
+              <a:t>12/2/2014</a:t>
             </a:fld>
             <a:endParaRPr lang="en-US"/>
           </a:p>
@@ -3294,7 +3295,7 @@
           <a:p>
             <a:fld id="{FCA8D81E-2153-4DD4-AD9F-27C94174D15A}" type="datetimeFigureOut">
               <a:rPr lang="en-US" smtClean="0"/>
-              <a:t>12/1/2014</a:t>
+              <a:t>12/2/2014</a:t>
             </a:fld>
             <a:endParaRPr lang="en-US"/>
           </a:p>
@@ -3938,109 +3939,44 @@
           <a:p>
             <a:r>
               <a:rPr lang="en-US" dirty="0" smtClean="0"/>
-              <a:t>Results</a:t>
+              <a:t>Revised Schedule</a:t>
             </a:r>
             <a:endParaRPr lang="en-US" dirty="0"/>
           </a:p>
         </p:txBody>
       </p:sp>
-      <p:sp>
-        <p:nvSpPr>
-          <p:cNvPr id="3" name="Content Placeholder 2"/>
-          <p:cNvSpPr>
-            <a:spLocks noGrp="1"/>
-          </p:cNvSpPr>
+      <p:pic>
+        <p:nvPicPr>
+          <p:cNvPr id="5" name="Content Placeholder 4"/>
+          <p:cNvPicPr>
+            <a:picLocks noGrp="1" noChangeAspect="1"/>
+          </p:cNvPicPr>
           <p:nvPr>
             <p:ph idx="1"/>
           </p:nvPr>
-        </p:nvSpPr>
-        <p:spPr/>
-        <p:txBody>
-          <a:bodyPr/>
-          <a:lstStyle/>
-          <a:p>
-            <a:r>
-              <a:rPr lang="en-US" dirty="0" smtClean="0"/>
-              <a:t>Chrome extension supporting embedded links and popups</a:t>
-            </a:r>
-          </a:p>
-          <a:p>
-            <a:pPr lvl="1"/>
-            <a:r>
-              <a:rPr lang="en-US" dirty="0" smtClean="0"/>
-              <a:t>Still no public API for explainshell.com</a:t>
-            </a:r>
-          </a:p>
-          <a:p>
-            <a:pPr lvl="1"/>
-            <a:r>
-              <a:rPr lang="en-US" dirty="0" smtClean="0"/>
-              <a:t>Popups pull up the full </a:t>
-            </a:r>
-            <a:r>
-              <a:rPr lang="en-US" dirty="0" err="1" smtClean="0"/>
-              <a:t>explainshell</a:t>
-            </a:r>
-            <a:r>
-              <a:rPr lang="en-US" dirty="0" smtClean="0"/>
-              <a:t> website in a window rather than intelligently using that data</a:t>
-            </a:r>
-          </a:p>
-          <a:p>
-            <a:pPr lvl="1"/>
-            <a:r>
-              <a:rPr lang="en-US" dirty="0" smtClean="0"/>
-              <a:t>Some limitations – no HTTPS</a:t>
-            </a:r>
-          </a:p>
-          <a:p>
-            <a:pPr lvl="1"/>
-            <a:r>
-              <a:rPr lang="en-US" dirty="0" smtClean="0"/>
-              <a:t>Reports usage correctly to the trend website</a:t>
-            </a:r>
-          </a:p>
-          <a:p>
-            <a:r>
-              <a:rPr lang="en-US" dirty="0" smtClean="0"/>
-              <a:t>Fully functional trends website</a:t>
-            </a:r>
-          </a:p>
-          <a:p>
-            <a:pPr lvl="1"/>
-            <a:r>
-              <a:rPr lang="en-US" dirty="0" smtClean="0"/>
-              <a:t>Track number of uses of extension</a:t>
-            </a:r>
-          </a:p>
-          <a:p>
-            <a:pPr lvl="1"/>
-            <a:r>
-              <a:rPr lang="en-US" dirty="0" smtClean="0"/>
-              <a:t>View clicks by time, source page, domain, and command</a:t>
-            </a:r>
-          </a:p>
-          <a:p>
-            <a:pPr lvl="1"/>
-            <a:r>
-              <a:rPr lang="en-US" dirty="0" smtClean="0"/>
-              <a:t>Pretty insecure right now: no authentication, API call in plain text </a:t>
-            </a:r>
-            <a:r>
-              <a:rPr lang="en-US" dirty="0" err="1" smtClean="0"/>
-              <a:t>Javascript</a:t>
-            </a:r>
-            <a:endParaRPr lang="en-US" dirty="0" smtClean="0"/>
-          </a:p>
-          <a:p>
-            <a:pPr lvl="1"/>
-            <a:endParaRPr lang="en-US" dirty="0"/>
-          </a:p>
-        </p:txBody>
-      </p:sp>
-      <p:sp>
-        <p:nvSpPr>
-          <p:cNvPr id="4" name="TextBox 3"/>
+        </p:nvPicPr>
+        <p:blipFill>
+          <a:blip r:embed="rId2">
+            <a:extLst>
+              <a:ext uri="{28A0092B-C50C-407E-A947-70E740481C1C}">
+                <a14:useLocalDpi xmlns:a14="http://schemas.microsoft.com/office/drawing/2010/main" val="0"/>
+              </a:ext>
+            </a:extLst>
+          </a:blip>
+          <a:stretch>
+            <a:fillRect/>
+          </a:stretch>
+        </p:blipFill>
+        <p:spPr>
+          <a:xfrm>
+            <a:off x="1040182" y="2779324"/>
+            <a:ext cx="7109355" cy="1920240"/>
+          </a:xfrm>
+        </p:spPr>
+      </p:pic>
+      <p:sp>
+        <p:nvSpPr>
+          <p:cNvPr id="6" name="TextBox 5"/>
           <p:cNvSpPr txBox="1"/>
           <p:nvPr/>
         </p:nvSpPr>
@@ -4076,19 +4012,25 @@
               <a:rPr lang="en-US" sz="2000" dirty="0" smtClean="0">
                 <a:latin typeface="+mj-lt"/>
               </a:rPr>
-              <a:t>Team      Project      Approach      </a:t>
+              <a:t>Team      Project      </a:t>
             </a:r>
             <a:r>
               <a:rPr lang="en-US" sz="2000" b="1" dirty="0" smtClean="0">
                 <a:latin typeface="+mj-lt"/>
               </a:rPr>
-              <a:t>Results</a:t>
+              <a:t>Approach</a:t>
             </a:r>
             <a:r>
               <a:rPr lang="en-US" sz="2000" dirty="0" smtClean="0">
                 <a:latin typeface="+mj-lt"/>
               </a:rPr>
-              <a:t>      Demo      Summary</a:t>
+              <a:t>      Results      </a:t>
+            </a:r>
+            <a:r>
+              <a:rPr lang="en-US" sz="2000" dirty="0" smtClean="0">
+                <a:latin typeface="+mj-lt"/>
+              </a:rPr>
+              <a:t>Summary      Demo</a:t>
             </a:r>
             <a:endParaRPr lang="en-US" sz="2000" dirty="0">
               <a:latin typeface="+mj-lt"/>
@@ -4099,7 +4041,7 @@
     </p:spTree>
     <p:extLst>
       <p:ext uri="{BB962C8B-B14F-4D97-AF65-F5344CB8AC3E}">
-        <p14:creationId xmlns:p14="http://schemas.microsoft.com/office/powerpoint/2010/main" val="1396617677"/>
+        <p14:creationId xmlns:p14="http://schemas.microsoft.com/office/powerpoint/2010/main" val="1367375115"/>
       </p:ext>
     </p:extLst>
   </p:cSld>
@@ -4150,41 +4092,106 @@
           <a:p>
             <a:r>
               <a:rPr lang="en-US" dirty="0" smtClean="0"/>
-              <a:t>Demo</a:t>
+              <a:t>Results</a:t>
             </a:r>
             <a:endParaRPr lang="en-US" dirty="0"/>
           </a:p>
         </p:txBody>
       </p:sp>
-      <p:pic>
-        <p:nvPicPr>
-          <p:cNvPr id="4" name="Content Placeholder 3"/>
-          <p:cNvPicPr>
-            <a:picLocks noGrp="1" noChangeAspect="1"/>
-          </p:cNvPicPr>
+      <p:sp>
+        <p:nvSpPr>
+          <p:cNvPr id="3" name="Content Placeholder 2"/>
+          <p:cNvSpPr>
+            <a:spLocks noGrp="1"/>
+          </p:cNvSpPr>
           <p:nvPr>
             <p:ph idx="1"/>
           </p:nvPr>
-        </p:nvPicPr>
-        <p:blipFill>
-          <a:blip r:embed="rId2">
-            <a:extLst>
-              <a:ext uri="{28A0092B-C50C-407E-A947-70E740481C1C}">
-                <a14:useLocalDpi xmlns:a14="http://schemas.microsoft.com/office/drawing/2010/main" val="0"/>
-              </a:ext>
-            </a:extLst>
-          </a:blip>
-          <a:stretch>
-            <a:fillRect/>
-          </a:stretch>
-        </p:blipFill>
-        <p:spPr>
-          <a:xfrm>
-            <a:off x="1826590" y="1846263"/>
-            <a:ext cx="5535269" cy="4022725"/>
-          </a:xfrm>
-        </p:spPr>
-      </p:pic>
+        </p:nvSpPr>
+        <p:spPr/>
+        <p:txBody>
+          <a:bodyPr/>
+          <a:lstStyle/>
+          <a:p>
+            <a:r>
+              <a:rPr lang="en-US" dirty="0" smtClean="0"/>
+              <a:t>Chrome extension supporting embedded links and popups</a:t>
+            </a:r>
+          </a:p>
+          <a:p>
+            <a:pPr lvl="1"/>
+            <a:r>
+              <a:rPr lang="en-US" dirty="0" smtClean="0"/>
+              <a:t>Still no public API for explainshell.com</a:t>
+            </a:r>
+          </a:p>
+          <a:p>
+            <a:pPr lvl="1"/>
+            <a:r>
+              <a:rPr lang="en-US" dirty="0" smtClean="0"/>
+              <a:t>Popups pull up the full </a:t>
+            </a:r>
+            <a:r>
+              <a:rPr lang="en-US" dirty="0" err="1" smtClean="0"/>
+              <a:t>explainshell</a:t>
+            </a:r>
+            <a:r>
+              <a:rPr lang="en-US" dirty="0" smtClean="0"/>
+              <a:t> website in a window rather than intelligently using that data</a:t>
+            </a:r>
+          </a:p>
+          <a:p>
+            <a:pPr lvl="1"/>
+            <a:r>
+              <a:rPr lang="en-US" dirty="0" smtClean="0"/>
+              <a:t>Some limitations – no HTTPS</a:t>
+            </a:r>
+          </a:p>
+          <a:p>
+            <a:pPr lvl="1"/>
+            <a:r>
+              <a:rPr lang="en-US" dirty="0" smtClean="0"/>
+              <a:t>Reports usage correctly to the trend website</a:t>
+            </a:r>
+          </a:p>
+          <a:p>
+            <a:r>
+              <a:rPr lang="en-US" dirty="0" smtClean="0"/>
+              <a:t>Fully functional trends website</a:t>
+            </a:r>
+          </a:p>
+          <a:p>
+            <a:pPr lvl="1"/>
+            <a:r>
+              <a:rPr lang="en-US" dirty="0" smtClean="0"/>
+              <a:t>Track number of uses of extension</a:t>
+            </a:r>
+          </a:p>
+          <a:p>
+            <a:pPr lvl="1"/>
+            <a:r>
+              <a:rPr lang="en-US" dirty="0" smtClean="0"/>
+              <a:t>View clicks by time, source page, domain, and command</a:t>
+            </a:r>
+          </a:p>
+          <a:p>
+            <a:pPr lvl="1"/>
+            <a:r>
+              <a:rPr lang="en-US" dirty="0" smtClean="0"/>
+              <a:t>Pretty insecure right now: no authentication, API call in plain text </a:t>
+            </a:r>
+            <a:r>
+              <a:rPr lang="en-US" dirty="0" err="1" smtClean="0"/>
+              <a:t>Javascript</a:t>
+            </a:r>
+            <a:endParaRPr lang="en-US" dirty="0" smtClean="0"/>
+          </a:p>
+          <a:p>
+            <a:pPr lvl="1"/>
+            <a:endParaRPr lang="en-US" dirty="0"/>
+          </a:p>
+        </p:txBody>
+      </p:sp>
       <p:sp>
         <p:nvSpPr>
           <p:cNvPr id="5" name="TextBox 4"/>
@@ -4223,19 +4230,25 @@
               <a:rPr lang="en-US" sz="2000" dirty="0" smtClean="0">
                 <a:latin typeface="+mj-lt"/>
               </a:rPr>
-              <a:t>Team      Project      Approach      Results      </a:t>
+              <a:t>Team      Project      Approach      </a:t>
             </a:r>
             <a:r>
               <a:rPr lang="en-US" sz="2000" b="1" dirty="0" smtClean="0">
                 <a:latin typeface="+mj-lt"/>
               </a:rPr>
-              <a:t>Demo</a:t>
+              <a:t>Results</a:t>
             </a:r>
             <a:r>
               <a:rPr lang="en-US" sz="2000" dirty="0" smtClean="0">
                 <a:latin typeface="+mj-lt"/>
               </a:rPr>
-              <a:t>      Summary</a:t>
+              <a:t>      </a:t>
+            </a:r>
+            <a:r>
+              <a:rPr lang="en-US" sz="2000" dirty="0" smtClean="0">
+                <a:latin typeface="+mj-lt"/>
+              </a:rPr>
+              <a:t>Summary      Demo</a:t>
             </a:r>
             <a:endParaRPr lang="en-US" sz="2000" dirty="0">
               <a:latin typeface="+mj-lt"/>
@@ -4246,7 +4259,7 @@
     </p:spTree>
     <p:extLst>
       <p:ext uri="{BB962C8B-B14F-4D97-AF65-F5344CB8AC3E}">
-        <p14:creationId xmlns:p14="http://schemas.microsoft.com/office/powerpoint/2010/main" val="2059763252"/>
+        <p14:creationId xmlns:p14="http://schemas.microsoft.com/office/powerpoint/2010/main" val="1396617677"/>
       </p:ext>
     </p:extLst>
   </p:cSld>
@@ -4297,7 +4310,7 @@
           <a:p>
             <a:r>
               <a:rPr lang="en-US" dirty="0" smtClean="0"/>
-              <a:t>Summary</a:t>
+              <a:t>Lessons Learned</a:t>
             </a:r>
             <a:endParaRPr lang="en-US" dirty="0"/>
           </a:p>
@@ -4318,6 +4331,71 @@
           <a:bodyPr/>
           <a:lstStyle/>
           <a:p>
+            <a:r>
+              <a:rPr lang="en-US" dirty="0" smtClean="0"/>
+              <a:t>Plan lots of extra time to accommodate for changing schedules</a:t>
+            </a:r>
+          </a:p>
+          <a:p>
+            <a:pPr lvl="1"/>
+            <a:r>
+              <a:rPr lang="en-US" dirty="0" smtClean="0"/>
+              <a:t>We were often behind deadlines, causing others be held up by bottlenecks</a:t>
+            </a:r>
+          </a:p>
+          <a:p>
+            <a:pPr lvl="1"/>
+            <a:r>
+              <a:rPr lang="en-US" dirty="0" smtClean="0"/>
+              <a:t>Keep people accountable to deadlines</a:t>
+            </a:r>
+          </a:p>
+          <a:p>
+            <a:r>
+              <a:rPr lang="en-US" dirty="0" smtClean="0"/>
+              <a:t>Contributing to open source software is a large undertaking</a:t>
+            </a:r>
+          </a:p>
+          <a:p>
+            <a:pPr lvl="1"/>
+            <a:r>
+              <a:rPr lang="en-US" dirty="0" smtClean="0"/>
+              <a:t>Need to read lots of documentation and unfamiliar code</a:t>
+            </a:r>
+          </a:p>
+          <a:p>
+            <a:pPr lvl="1"/>
+            <a:r>
+              <a:rPr lang="en-US" dirty="0" smtClean="0"/>
+              <a:t>Pull requests take time</a:t>
+            </a:r>
+          </a:p>
+          <a:p>
+            <a:pPr lvl="1"/>
+            <a:r>
+              <a:rPr lang="en-US" dirty="0" smtClean="0"/>
+              <a:t>A lot of work is necessary to do it properly</a:t>
+            </a:r>
+          </a:p>
+          <a:p>
+            <a:r>
+              <a:rPr lang="en-US" dirty="0" smtClean="0"/>
+              <a:t>Documenting your code is essential</a:t>
+            </a:r>
+          </a:p>
+          <a:p>
+            <a:pPr lvl="1"/>
+            <a:r>
+              <a:rPr lang="en-US" dirty="0" smtClean="0"/>
+              <a:t>We often had problems running each others’ code</a:t>
+            </a:r>
+          </a:p>
+          <a:p>
+            <a:pPr lvl="1"/>
+            <a:r>
+              <a:rPr lang="en-US" dirty="0" smtClean="0"/>
+              <a:t>Time is wasted trying to decipher what code is doing rather than adding to it</a:t>
+            </a:r>
             <a:endParaRPr lang="en-US" dirty="0"/>
           </a:p>
         </p:txBody>
@@ -4360,15 +4438,27 @@
               <a:rPr lang="en-US" sz="2000" dirty="0" smtClean="0">
                 <a:latin typeface="+mj-lt"/>
               </a:rPr>
-              <a:t>Team      Project      Approach      Results      Demo      </a:t>
+              <a:t>Team      Project      Approach      </a:t>
             </a:r>
             <a:r>
               <a:rPr lang="en-US" sz="2000" b="1" dirty="0" smtClean="0">
                 <a:latin typeface="+mj-lt"/>
               </a:rPr>
-              <a:t>Summary</a:t>
-            </a:r>
-            <a:endParaRPr lang="en-US" sz="2000" b="1" dirty="0">
+              <a:t>Results</a:t>
+            </a:r>
+            <a:r>
+              <a:rPr lang="en-US" sz="2000" dirty="0" smtClean="0">
+                <a:latin typeface="+mj-lt"/>
+              </a:rPr>
+              <a:t>      </a:t>
+            </a:r>
+            <a:r>
+              <a:rPr lang="en-US" sz="2000" dirty="0" smtClean="0">
+                <a:latin typeface="+mj-lt"/>
+              </a:rPr>
+              <a:t>Summary      Demo</a:t>
+            </a:r>
+            <a:endParaRPr lang="en-US" sz="2000" dirty="0">
               <a:latin typeface="+mj-lt"/>
             </a:endParaRPr>
           </a:p>
@@ -4377,7 +4467,7 @@
     </p:spTree>
     <p:extLst>
       <p:ext uri="{BB962C8B-B14F-4D97-AF65-F5344CB8AC3E}">
-        <p14:creationId xmlns:p14="http://schemas.microsoft.com/office/powerpoint/2010/main" val="1072718301"/>
+        <p14:creationId xmlns:p14="http://schemas.microsoft.com/office/powerpoint/2010/main" val="1096720059"/>
       </p:ext>
     </p:extLst>
   </p:cSld>
@@ -4520,7 +4610,7 @@
       </p:sp>
       <p:sp>
         <p:nvSpPr>
-          <p:cNvPr id="4" name="TextBox 3"/>
+          <p:cNvPr id="5" name="TextBox 4"/>
           <p:cNvSpPr txBox="1"/>
           <p:nvPr/>
         </p:nvSpPr>
@@ -4556,15 +4646,27 @@
               <a:rPr lang="en-US" sz="2000" dirty="0" smtClean="0">
                 <a:latin typeface="+mj-lt"/>
               </a:rPr>
-              <a:t>Team      Project      Approach      Results      Demo      </a:t>
+              <a:t>Team      Project      Approach      </a:t>
             </a:r>
             <a:r>
               <a:rPr lang="en-US" sz="2000" b="1" dirty="0" smtClean="0">
                 <a:latin typeface="+mj-lt"/>
               </a:rPr>
-              <a:t>Summary</a:t>
-            </a:r>
-            <a:endParaRPr lang="en-US" sz="2000" b="1" dirty="0">
+              <a:t>Results</a:t>
+            </a:r>
+            <a:r>
+              <a:rPr lang="en-US" sz="2000" dirty="0" smtClean="0">
+                <a:latin typeface="+mj-lt"/>
+              </a:rPr>
+              <a:t>      </a:t>
+            </a:r>
+            <a:r>
+              <a:rPr lang="en-US" sz="2000" dirty="0" smtClean="0">
+                <a:latin typeface="+mj-lt"/>
+              </a:rPr>
+              <a:t>Summary      Demo</a:t>
+            </a:r>
+            <a:endParaRPr lang="en-US" sz="2000" dirty="0">
               <a:latin typeface="+mj-lt"/>
             </a:endParaRPr>
           </a:p>
@@ -4624,7 +4726,7 @@
           <a:p>
             <a:r>
               <a:rPr lang="en-US" dirty="0" smtClean="0"/>
-              <a:t>Thank you!</a:t>
+              <a:t>Summary</a:t>
             </a:r>
             <a:endParaRPr lang="en-US" dirty="0"/>
           </a:p>
@@ -4642,17 +4744,292 @@
         </p:nvSpPr>
         <p:spPr/>
         <p:txBody>
-          <a:bodyPr/>
-          <a:lstStyle/>
-          <a:p>
-            <a:endParaRPr lang="en-US" dirty="0"/>
+          <a:bodyPr>
+            <a:normAutofit/>
+          </a:bodyPr>
+          <a:lstStyle/>
+          <a:p>
+            <a:pPr marL="457200" indent="-457200">
+              <a:buFont typeface="+mj-lt"/>
+              <a:buAutoNum type="arabicPeriod"/>
+            </a:pPr>
+            <a:r>
+              <a:rPr lang="en-US" sz="2800" dirty="0"/>
+              <a:t>Outline</a:t>
+            </a:r>
+          </a:p>
+          <a:p>
+            <a:pPr marL="457200" indent="-457200">
+              <a:buFont typeface="+mj-lt"/>
+              <a:buAutoNum type="arabicPeriod"/>
+            </a:pPr>
+            <a:r>
+              <a:rPr lang="en-US" sz="2800" dirty="0"/>
+              <a:t>Team</a:t>
+            </a:r>
+          </a:p>
+          <a:p>
+            <a:pPr marL="457200" indent="-457200">
+              <a:buFont typeface="+mj-lt"/>
+              <a:buAutoNum type="arabicPeriod"/>
+            </a:pPr>
+            <a:r>
+              <a:rPr lang="en-US" sz="2800" dirty="0"/>
+              <a:t>Project</a:t>
+            </a:r>
+          </a:p>
+          <a:p>
+            <a:pPr marL="457200" indent="-457200">
+              <a:buFont typeface="+mj-lt"/>
+              <a:buAutoNum type="arabicPeriod"/>
+            </a:pPr>
+            <a:r>
+              <a:rPr lang="en-US" sz="2800" dirty="0"/>
+              <a:t>Approach</a:t>
+            </a:r>
+          </a:p>
+          <a:p>
+            <a:pPr marL="457200" indent="-457200">
+              <a:buFont typeface="+mj-lt"/>
+              <a:buAutoNum type="arabicPeriod"/>
+            </a:pPr>
+            <a:r>
+              <a:rPr lang="en-US" sz="2800" dirty="0"/>
+              <a:t>Results</a:t>
+            </a:r>
+          </a:p>
+          <a:p>
+            <a:pPr marL="457200" indent="-457200">
+              <a:buFont typeface="+mj-lt"/>
+              <a:buAutoNum type="arabicPeriod"/>
+            </a:pPr>
+            <a:r>
+              <a:rPr lang="en-US" sz="2800" dirty="0"/>
+              <a:t>Summary</a:t>
+            </a:r>
+          </a:p>
+          <a:p>
+            <a:pPr marL="457200" indent="-457200">
+              <a:buFont typeface="+mj-lt"/>
+              <a:buAutoNum type="arabicPeriod"/>
+            </a:pPr>
+            <a:r>
+              <a:rPr lang="en-US" sz="2800" dirty="0" smtClean="0"/>
+              <a:t>Demo</a:t>
+            </a:r>
+            <a:endParaRPr lang="en-US" sz="2800" dirty="0"/>
+          </a:p>
+        </p:txBody>
+      </p:sp>
+      <p:sp>
+        <p:nvSpPr>
+          <p:cNvPr id="5" name="TextBox 4"/>
+          <p:cNvSpPr txBox="1"/>
+          <p:nvPr/>
+        </p:nvSpPr>
+        <p:spPr>
+          <a:xfrm>
+            <a:off x="822960" y="239843"/>
+            <a:ext cx="7543800" cy="400110"/>
+          </a:xfrm>
+          <a:prstGeom prst="rect">
+            <a:avLst/>
+          </a:prstGeom>
+          <a:noFill/>
+        </p:spPr>
+        <p:txBody>
+          <a:bodyPr wrap="square" rtlCol="0">
+            <a:spAutoFit/>
+          </a:bodyPr>
+          <a:lstStyle/>
+          <a:p>
+            <a:r>
+              <a:rPr lang="en-US" sz="2000" dirty="0" smtClean="0">
+                <a:latin typeface="+mj-lt"/>
+              </a:rPr>
+              <a:t>Outline</a:t>
+            </a:r>
+            <a:r>
+              <a:rPr lang="en-US" sz="2000" b="1" dirty="0" smtClean="0">
+                <a:latin typeface="+mj-lt"/>
+              </a:rPr>
+              <a:t>      </a:t>
+            </a:r>
+            <a:r>
+              <a:rPr lang="en-US" sz="2000" dirty="0" smtClean="0">
+                <a:latin typeface="+mj-lt"/>
+              </a:rPr>
+              <a:t>Team      Project      Approach      Results      </a:t>
+            </a:r>
+            <a:r>
+              <a:rPr lang="en-US" sz="2000" b="1" dirty="0" smtClean="0">
+                <a:latin typeface="+mj-lt"/>
+              </a:rPr>
+              <a:t>Summary</a:t>
+            </a:r>
+            <a:r>
+              <a:rPr lang="en-US" sz="2000" dirty="0" smtClean="0">
+                <a:latin typeface="+mj-lt"/>
+              </a:rPr>
+              <a:t>      Demo</a:t>
+            </a:r>
+            <a:endParaRPr lang="en-US" sz="2000" dirty="0">
+              <a:latin typeface="+mj-lt"/>
+            </a:endParaRPr>
           </a:p>
         </p:txBody>
       </p:sp>
     </p:spTree>
     <p:extLst>
       <p:ext uri="{BB962C8B-B14F-4D97-AF65-F5344CB8AC3E}">
-        <p14:creationId xmlns:p14="http://schemas.microsoft.com/office/powerpoint/2010/main" val="2425095620"/>
+        <p14:creationId xmlns:p14="http://schemas.microsoft.com/office/powerpoint/2010/main" val="1072718301"/>
+      </p:ext>
+    </p:extLst>
+  </p:cSld>
+  <p:clrMapOvr>
+    <a:masterClrMapping/>
+  </p:clrMapOvr>
+  <p:timing>
+    <p:tnLst>
+      <p:par>
+        <p:cTn id="1" dur="indefinite" restart="never" nodeType="tmRoot"/>
+      </p:par>
+    </p:tnLst>
+  </p:timing>
+</p:sld>
+</file>
+
+<file path=ppt/slides/slide15.xml><?xml version="1.0" encoding="utf-8"?>
+<p:sld xmlns:a="http://schemas.openxmlformats.org/drawingml/2006/main" xmlns:r="http://schemas.openxmlformats.org/officeDocument/2006/relationships" xmlns:p="http://schemas.openxmlformats.org/presentationml/2006/main">
+  <p:cSld>
+    <p:spTree>
+      <p:nvGrpSpPr>
+        <p:cNvPr id="1" name=""/>
+        <p:cNvGrpSpPr/>
+        <p:nvPr/>
+      </p:nvGrpSpPr>
+      <p:grpSpPr>
+        <a:xfrm>
+          <a:off x="0" y="0"/>
+          <a:ext cx="0" cy="0"/>
+          <a:chOff x="0" y="0"/>
+          <a:chExt cx="0" cy="0"/>
+        </a:xfrm>
+      </p:grpSpPr>
+      <p:sp>
+        <p:nvSpPr>
+          <p:cNvPr id="2" name="Title 1"/>
+          <p:cNvSpPr>
+            <a:spLocks noGrp="1"/>
+          </p:cNvSpPr>
+          <p:nvPr>
+            <p:ph type="title"/>
+          </p:nvPr>
+        </p:nvSpPr>
+        <p:spPr/>
+        <p:txBody>
+          <a:bodyPr/>
+          <a:lstStyle/>
+          <a:p>
+            <a:r>
+              <a:rPr lang="en-US" dirty="0" smtClean="0"/>
+              <a:t>Demo</a:t>
+            </a:r>
+            <a:endParaRPr lang="en-US" dirty="0"/>
+          </a:p>
+        </p:txBody>
+      </p:sp>
+      <p:pic>
+        <p:nvPicPr>
+          <p:cNvPr id="4" name="Content Placeholder 3"/>
+          <p:cNvPicPr>
+            <a:picLocks noGrp="1" noChangeAspect="1"/>
+          </p:cNvPicPr>
+          <p:nvPr>
+            <p:ph idx="1"/>
+          </p:nvPr>
+        </p:nvPicPr>
+        <p:blipFill>
+          <a:blip r:embed="rId2">
+            <a:extLst>
+              <a:ext uri="{28A0092B-C50C-407E-A947-70E740481C1C}">
+                <a14:useLocalDpi xmlns:a14="http://schemas.microsoft.com/office/drawing/2010/main" val="0"/>
+              </a:ext>
+            </a:extLst>
+          </a:blip>
+          <a:stretch>
+            <a:fillRect/>
+          </a:stretch>
+        </p:blipFill>
+        <p:spPr>
+          <a:xfrm>
+            <a:off x="1826590" y="1846263"/>
+            <a:ext cx="5535269" cy="4022725"/>
+          </a:xfrm>
+        </p:spPr>
+      </p:pic>
+      <p:sp>
+        <p:nvSpPr>
+          <p:cNvPr id="6" name="TextBox 5"/>
+          <p:cNvSpPr txBox="1"/>
+          <p:nvPr/>
+        </p:nvSpPr>
+        <p:spPr>
+          <a:xfrm>
+            <a:off x="822960" y="239843"/>
+            <a:ext cx="7543800" cy="400110"/>
+          </a:xfrm>
+          <a:prstGeom prst="rect">
+            <a:avLst/>
+          </a:prstGeom>
+          <a:noFill/>
+        </p:spPr>
+        <p:txBody>
+          <a:bodyPr wrap="square" rtlCol="0">
+            <a:spAutoFit/>
+          </a:bodyPr>
+          <a:lstStyle/>
+          <a:p>
+            <a:r>
+              <a:rPr lang="en-US" sz="2000" dirty="0" smtClean="0">
+                <a:latin typeface="+mj-lt"/>
+              </a:rPr>
+              <a:t>Outline</a:t>
+            </a:r>
+            <a:r>
+              <a:rPr lang="en-US" sz="2000" b="1" dirty="0" smtClean="0">
+                <a:latin typeface="+mj-lt"/>
+              </a:rPr>
+              <a:t>      </a:t>
+            </a:r>
+            <a:r>
+              <a:rPr lang="en-US" sz="2000" dirty="0" smtClean="0">
+                <a:latin typeface="+mj-lt"/>
+              </a:rPr>
+              <a:t>Team      Project      Approach      Results      </a:t>
+            </a:r>
+            <a:r>
+              <a:rPr lang="en-US" sz="2000" b="1" dirty="0" smtClean="0">
+                <a:latin typeface="+mj-lt"/>
+              </a:rPr>
+              <a:t>Summary</a:t>
+            </a:r>
+            <a:r>
+              <a:rPr lang="en-US" sz="2000" dirty="0" smtClean="0">
+                <a:latin typeface="+mj-lt"/>
+              </a:rPr>
+              <a:t>      Demo</a:t>
+            </a:r>
+            <a:endParaRPr lang="en-US" sz="2000" dirty="0">
+              <a:latin typeface="+mj-lt"/>
+            </a:endParaRPr>
+          </a:p>
+        </p:txBody>
+      </p:sp>
+    </p:spTree>
+    <p:extLst>
+      <p:ext uri="{BB962C8B-B14F-4D97-AF65-F5344CB8AC3E}">
+        <p14:creationId xmlns:p14="http://schemas.microsoft.com/office/powerpoint/2010/main" val="2059763252"/>
       </p:ext>
     </p:extLst>
   </p:cSld>
@@ -4782,8 +5159,9 @@
             </a:pPr>
             <a:r>
               <a:rPr lang="en-US" sz="2800" dirty="0" smtClean="0"/>
-              <a:t>Demo</a:t>
-            </a:r>
+              <a:t>Summary</a:t>
+            </a:r>
+            <a:endParaRPr lang="en-US" sz="2800" dirty="0" smtClean="0"/>
           </a:p>
           <a:p>
             <a:pPr marL="457200" indent="-457200">
@@ -4792,8 +5170,9 @@
             </a:pPr>
             <a:r>
               <a:rPr lang="en-US" sz="2800" dirty="0" smtClean="0"/>
-              <a:t>Summary</a:t>
-            </a:r>
+              <a:t>Demo</a:t>
+            </a:r>
+            <a:endParaRPr lang="en-US" sz="2800" dirty="0" smtClean="0"/>
           </a:p>
         </p:txBody>
       </p:sp>
@@ -4829,7 +5208,13 @@
               <a:rPr lang="en-US" sz="2000" dirty="0" smtClean="0">
                 <a:latin typeface="+mj-lt"/>
               </a:rPr>
-              <a:t>Team      Project      Approach      Results      Demo      Summary</a:t>
+              <a:t>Team      Project      Approach      Results      </a:t>
+            </a:r>
+            <a:r>
+              <a:rPr lang="en-US" sz="2000" dirty="0" smtClean="0">
+                <a:latin typeface="+mj-lt"/>
+              </a:rPr>
+              <a:t>Summary      Demo</a:t>
             </a:r>
             <a:endParaRPr lang="en-US" sz="2000" dirty="0">
               <a:latin typeface="+mj-lt"/>
@@ -4912,13 +5297,56 @@
           <a:bodyPr/>
           <a:lstStyle/>
           <a:p>
+            <a:pPr lvl="1"/>
+            <a:r>
+              <a:rPr lang="en-US" sz="2800" dirty="0" smtClean="0"/>
+              <a:t>Jake Zimmerman</a:t>
+            </a:r>
+          </a:p>
+          <a:p>
+            <a:pPr marL="201168" lvl="1" indent="0">
+              <a:buNone/>
+            </a:pPr>
+            <a:endParaRPr lang="en-US" sz="2800" dirty="0" smtClean="0"/>
+          </a:p>
+          <a:p>
+            <a:pPr lvl="1"/>
+            <a:r>
+              <a:rPr lang="en-US" sz="2800" dirty="0" smtClean="0"/>
+              <a:t>Justin Gallagher</a:t>
+            </a:r>
+          </a:p>
+          <a:p>
+            <a:pPr lvl="1"/>
+            <a:endParaRPr lang="en-US" sz="2800" dirty="0" smtClean="0"/>
+          </a:p>
+          <a:p>
+            <a:pPr lvl="1"/>
+            <a:r>
+              <a:rPr lang="en-US" sz="2800" dirty="0" smtClean="0"/>
+              <a:t>Ted Li</a:t>
+            </a:r>
+          </a:p>
+          <a:p>
+            <a:pPr lvl="1"/>
+            <a:endParaRPr lang="en-US" sz="2800" dirty="0" smtClean="0"/>
+          </a:p>
+          <a:p>
+            <a:pPr lvl="1"/>
+            <a:r>
+              <a:rPr lang="en-US" sz="2800" dirty="0" smtClean="0"/>
+              <a:t>Howard Chen</a:t>
+            </a:r>
+          </a:p>
+          <a:p>
+            <a:pPr lvl="1"/>
             <a:endParaRPr lang="en-US" dirty="0"/>
           </a:p>
         </p:txBody>
       </p:sp>
       <p:sp>
         <p:nvSpPr>
-          <p:cNvPr id="4" name="TextBox 3"/>
+          <p:cNvPr id="5" name="TextBox 4"/>
           <p:cNvSpPr txBox="1"/>
           <p:nvPr/>
         </p:nvSpPr>
@@ -4954,7 +5382,13 @@
               <a:rPr lang="en-US" sz="2000" dirty="0" smtClean="0">
                 <a:latin typeface="+mj-lt"/>
               </a:rPr>
-              <a:t>      Project      Approach      Results      Demo      Summary</a:t>
+              <a:t>      Project      Approach      Results      </a:t>
+            </a:r>
+            <a:r>
+              <a:rPr lang="en-US" sz="2000" dirty="0" smtClean="0">
+                <a:latin typeface="+mj-lt"/>
+              </a:rPr>
+              <a:t>Summary      Demo</a:t>
             </a:r>
             <a:endParaRPr lang="en-US" sz="2000" dirty="0">
               <a:latin typeface="+mj-lt"/>
@@ -5034,16 +5468,40 @@
         </p:nvSpPr>
         <p:spPr/>
         <p:txBody>
-          <a:bodyPr/>
-          <a:lstStyle/>
-          <a:p>
-            <a:endParaRPr lang="en-US"/>
-          </a:p>
-        </p:txBody>
-      </p:sp>
-      <p:sp>
-        <p:nvSpPr>
-          <p:cNvPr id="4" name="TextBox 3"/>
+          <a:bodyPr>
+            <a:normAutofit/>
+          </a:bodyPr>
+          <a:lstStyle/>
+          <a:p>
+            <a:pPr marL="0" indent="0">
+              <a:buNone/>
+            </a:pPr>
+            <a:r>
+              <a:rPr lang="en-US" sz="2400" dirty="0" smtClean="0"/>
+              <a:t>Chrome extension to provide easy lookup of bash commands using explainshell.com</a:t>
+            </a:r>
+          </a:p>
+          <a:p>
+            <a:pPr marL="0" indent="0">
+              <a:buNone/>
+            </a:pPr>
+            <a:endParaRPr lang="en-US" sz="2400" dirty="0" smtClean="0"/>
+          </a:p>
+          <a:p>
+            <a:pPr marL="0" indent="0">
+              <a:buNone/>
+            </a:pPr>
+            <a:r>
+              <a:rPr lang="en-US" sz="2400" dirty="0" smtClean="0"/>
+              <a:t>Backend analytics site to show trending commands, referring sites, popular pages, etc.</a:t>
+            </a:r>
+            <a:endParaRPr lang="en-US" sz="2400" dirty="0"/>
+          </a:p>
+        </p:txBody>
+      </p:sp>
+      <p:sp>
+        <p:nvSpPr>
+          <p:cNvPr id="5" name="TextBox 4"/>
           <p:cNvSpPr txBox="1"/>
           <p:nvPr/>
         </p:nvSpPr>
@@ -5091,7 +5549,13 @@
               <a:rPr lang="en-US" sz="2000" dirty="0" smtClean="0">
                 <a:latin typeface="+mj-lt"/>
               </a:rPr>
-              <a:t>      Approach      Results      Demo      Summary</a:t>
+              <a:t>      Approach      Results      </a:t>
+            </a:r>
+            <a:r>
+              <a:rPr lang="en-US" sz="2000" dirty="0" smtClean="0">
+                <a:latin typeface="+mj-lt"/>
+              </a:rPr>
+              <a:t>Summary      Demo</a:t>
             </a:r>
             <a:endParaRPr lang="en-US" sz="2000" dirty="0">
               <a:latin typeface="+mj-lt"/>
@@ -5174,13 +5638,41 @@
           <a:bodyPr/>
           <a:lstStyle/>
           <a:p>
-            <a:endParaRPr lang="en-US" dirty="0"/>
-          </a:p>
-        </p:txBody>
-      </p:sp>
-      <p:sp>
-        <p:nvSpPr>
-          <p:cNvPr id="4" name="TextBox 3"/>
+            <a:r>
+              <a:rPr lang="en-US" sz="2400" dirty="0" smtClean="0"/>
+              <a:t>Bash commands found online pose a threat to unsuspecting users</a:t>
+            </a:r>
+          </a:p>
+          <a:p>
+            <a:pPr lvl="1"/>
+            <a:r>
+              <a:rPr lang="en-US" sz="2000" dirty="0" smtClean="0"/>
+              <a:t>People have a risk of running malicious or insecure commands</a:t>
+            </a:r>
+          </a:p>
+          <a:p>
+            <a:r>
+              <a:rPr lang="en-US" sz="2400" dirty="0" smtClean="0"/>
+              <a:t>Often difficult to look through man pages for bash command usage</a:t>
+            </a:r>
+          </a:p>
+          <a:p>
+            <a:r>
+              <a:rPr lang="en-US" sz="2400" dirty="0" smtClean="0"/>
+              <a:t>Helps users discover and explore more bash commands</a:t>
+            </a:r>
+          </a:p>
+          <a:p>
+            <a:pPr marL="0" indent="0">
+              <a:buNone/>
+            </a:pPr>
+            <a:endParaRPr lang="en-US" dirty="0" smtClean="0"/>
+          </a:p>
+        </p:txBody>
+      </p:sp>
+      <p:sp>
+        <p:nvSpPr>
+          <p:cNvPr id="5" name="TextBox 4"/>
           <p:cNvSpPr txBox="1"/>
           <p:nvPr/>
         </p:nvSpPr>
@@ -5228,7 +5720,13 @@
               <a:rPr lang="en-US" sz="2000" dirty="0" smtClean="0">
                 <a:latin typeface="+mj-lt"/>
               </a:rPr>
-              <a:t>      Approach      Results      Demo      Summary</a:t>
+              <a:t>      Approach      Results      </a:t>
+            </a:r>
+            <a:r>
+              <a:rPr lang="en-US" sz="2000" dirty="0" smtClean="0">
+                <a:latin typeface="+mj-lt"/>
+              </a:rPr>
+              <a:t>Summary      Demo</a:t>
             </a:r>
             <a:endParaRPr lang="en-US" sz="2000" dirty="0">
               <a:latin typeface="+mj-lt"/>
@@ -5311,13 +5809,49 @@
           <a:bodyPr/>
           <a:lstStyle/>
           <a:p>
-            <a:endParaRPr lang="en-US"/>
-          </a:p>
-        </p:txBody>
-      </p:sp>
-      <p:sp>
-        <p:nvSpPr>
-          <p:cNvPr id="4" name="TextBox 3"/>
+            <a:r>
+              <a:rPr lang="en-US" sz="2400" dirty="0" smtClean="0"/>
+              <a:t>Develop Chrome Extension that identifies and extracts bash commands from web pages</a:t>
+            </a:r>
+          </a:p>
+          <a:p>
+            <a:pPr lvl="1"/>
+            <a:r>
+              <a:rPr lang="en-US" sz="2000" dirty="0" smtClean="0"/>
+              <a:t>Add a link to each bash command that redirects users to the usage explanation on explainshell.com</a:t>
+            </a:r>
+          </a:p>
+          <a:p>
+            <a:pPr lvl="1"/>
+            <a:r>
+              <a:rPr lang="en-US" sz="2000" dirty="0" smtClean="0"/>
+              <a:t>Display friendly in-page popup of command usage when users click on a bash command</a:t>
+            </a:r>
+            <a:endParaRPr lang="en-US" sz="2000" dirty="0"/>
+          </a:p>
+          <a:p>
+            <a:pPr marL="201168" lvl="1" indent="0">
+              <a:buNone/>
+            </a:pPr>
+            <a:r>
+              <a:rPr lang="en-US" sz="2400" dirty="0" smtClean="0"/>
+              <a:t>Develop backend analytics site to keep track of bash commands that users lookup</a:t>
+            </a:r>
+          </a:p>
+          <a:p>
+            <a:pPr marL="201168" lvl="1" indent="0">
+              <a:buNone/>
+            </a:pPr>
+            <a:r>
+              <a:rPr lang="en-US" sz="2400" dirty="0" smtClean="0"/>
+              <a:t>Eventually publish on Chrome Web Store for people to use</a:t>
+            </a:r>
+          </a:p>
+        </p:txBody>
+      </p:sp>
+      <p:sp>
+        <p:nvSpPr>
+          <p:cNvPr id="5" name="TextBox 4"/>
           <p:cNvSpPr txBox="1"/>
           <p:nvPr/>
         </p:nvSpPr>
@@ -5365,7 +5899,13 @@
               <a:rPr lang="en-US" sz="2000" dirty="0" smtClean="0">
                 <a:latin typeface="+mj-lt"/>
               </a:rPr>
-              <a:t>      Approach      Results      Demo      Summary</a:t>
+              <a:t>      Approach      Results      </a:t>
+            </a:r>
+            <a:r>
+              <a:rPr lang="en-US" sz="2000" dirty="0" smtClean="0">
+                <a:latin typeface="+mj-lt"/>
+              </a:rPr>
+              <a:t>Summary      Demo</a:t>
             </a:r>
             <a:endParaRPr lang="en-US" sz="2000" dirty="0">
               <a:latin typeface="+mj-lt"/>
@@ -5445,16 +5985,62 @@
         </p:nvSpPr>
         <p:spPr/>
         <p:txBody>
-          <a:bodyPr/>
-          <a:lstStyle/>
-          <a:p>
-            <a:endParaRPr lang="en-US"/>
-          </a:p>
-        </p:txBody>
-      </p:sp>
-      <p:sp>
-        <p:nvSpPr>
-          <p:cNvPr id="4" name="TextBox 3"/>
+          <a:bodyPr>
+            <a:normAutofit/>
+          </a:bodyPr>
+          <a:lstStyle/>
+          <a:p>
+            <a:r>
+              <a:rPr lang="en-US" sz="2400" dirty="0" smtClean="0"/>
+              <a:t>Chrome Extension: HTML/CSS/</a:t>
+            </a:r>
+            <a:r>
+              <a:rPr lang="en-US" sz="2400" dirty="0" err="1" smtClean="0"/>
+              <a:t>Javascript</a:t>
+            </a:r>
+            <a:endParaRPr lang="en-US" sz="2400" dirty="0" smtClean="0"/>
+          </a:p>
+          <a:p>
+            <a:endParaRPr lang="en-US" sz="2400" dirty="0" smtClean="0"/>
+          </a:p>
+          <a:p>
+            <a:r>
+              <a:rPr lang="en-US" sz="2400" dirty="0" smtClean="0"/>
+              <a:t>Backend analytics site: Node.js/Express/</a:t>
+            </a:r>
+            <a:r>
+              <a:rPr lang="en-US" sz="2400" dirty="0" err="1" smtClean="0"/>
+              <a:t>MongoDB</a:t>
+            </a:r>
+            <a:endParaRPr lang="en-US" sz="2400" dirty="0" smtClean="0"/>
+          </a:p>
+          <a:p>
+            <a:endParaRPr lang="en-US" sz="2400" dirty="0" smtClean="0"/>
+          </a:p>
+          <a:p>
+            <a:r>
+              <a:rPr lang="en-US" sz="2400" dirty="0" smtClean="0"/>
+              <a:t>Version control with </a:t>
+            </a:r>
+            <a:r>
+              <a:rPr lang="en-US" sz="2400" dirty="0" err="1" smtClean="0"/>
+              <a:t>Git</a:t>
+            </a:r>
+            <a:r>
+              <a:rPr lang="en-US" sz="2400" dirty="0" smtClean="0"/>
+              <a:t> on </a:t>
+            </a:r>
+            <a:r>
+              <a:rPr lang="en-US" sz="2400" dirty="0" err="1" smtClean="0"/>
+              <a:t>Github</a:t>
+            </a:r>
+            <a:endParaRPr lang="en-US" sz="2400" dirty="0"/>
+          </a:p>
+        </p:txBody>
+      </p:sp>
+      <p:sp>
+        <p:nvSpPr>
+          <p:cNvPr id="5" name="TextBox 4"/>
           <p:cNvSpPr txBox="1"/>
           <p:nvPr/>
         </p:nvSpPr>
@@ -5502,7 +6088,13 @@
               <a:rPr lang="en-US" sz="2000" dirty="0" smtClean="0">
                 <a:latin typeface="+mj-lt"/>
               </a:rPr>
-              <a:t>      Results      Demo      Summary</a:t>
+              <a:t>      Results      </a:t>
+            </a:r>
+            <a:r>
+              <a:rPr lang="en-US" sz="2000" dirty="0" smtClean="0">
+                <a:latin typeface="+mj-lt"/>
+              </a:rPr>
+              <a:t>Summary      Demo</a:t>
             </a:r>
             <a:endParaRPr lang="en-US" sz="2000" dirty="0">
               <a:latin typeface="+mj-lt"/>
@@ -5564,44 +6156,93 @@
           <a:p>
             <a:r>
               <a:rPr lang="en-US" dirty="0" smtClean="0"/>
-              <a:t>Original Schedule</a:t>
+              <a:t>Approach</a:t>
             </a:r>
             <a:endParaRPr lang="en-US" dirty="0"/>
           </a:p>
         </p:txBody>
       </p:sp>
-      <p:pic>
-        <p:nvPicPr>
-          <p:cNvPr id="5" name="Content Placeholder 4"/>
-          <p:cNvPicPr>
-            <a:picLocks noGrp="1" noChangeAspect="1"/>
-          </p:cNvPicPr>
+      <p:sp>
+        <p:nvSpPr>
+          <p:cNvPr id="3" name="Content Placeholder 2"/>
+          <p:cNvSpPr>
+            <a:spLocks noGrp="1"/>
+          </p:cNvSpPr>
           <p:nvPr>
             <p:ph idx="1"/>
           </p:nvPr>
-        </p:nvPicPr>
-        <p:blipFill>
-          <a:blip r:embed="rId2">
-            <a:extLst>
-              <a:ext uri="{28A0092B-C50C-407E-A947-70E740481C1C}">
-                <a14:useLocalDpi xmlns:a14="http://schemas.microsoft.com/office/drawing/2010/main" val="0"/>
-              </a:ext>
-            </a:extLst>
-          </a:blip>
-          <a:stretch>
-            <a:fillRect/>
-          </a:stretch>
-        </p:blipFill>
-        <p:spPr>
-          <a:xfrm>
-            <a:off x="822325" y="2432685"/>
-            <a:ext cx="7543800" cy="2849880"/>
-          </a:xfrm>
-        </p:spPr>
-      </p:pic>
-      <p:sp>
-        <p:nvSpPr>
-          <p:cNvPr id="4" name="TextBox 3"/>
+        </p:nvSpPr>
+        <p:spPr/>
+        <p:txBody>
+          <a:bodyPr>
+            <a:normAutofit/>
+          </a:bodyPr>
+          <a:lstStyle/>
+          <a:p>
+            <a:pPr marL="457200" indent="-457200">
+              <a:buFont typeface="+mj-lt"/>
+              <a:buAutoNum type="arabicPeriod"/>
+            </a:pPr>
+            <a:r>
+              <a:rPr lang="en-US" sz="2400" dirty="0" smtClean="0"/>
+              <a:t>Rudimentary version of Chrome extension: Allow users to select text and lookup selected command</a:t>
+            </a:r>
+          </a:p>
+          <a:p>
+            <a:pPr marL="457200" indent="-457200">
+              <a:buFont typeface="+mj-lt"/>
+              <a:buAutoNum type="arabicPeriod"/>
+            </a:pPr>
+            <a:r>
+              <a:rPr lang="en-US" sz="2400" dirty="0" smtClean="0"/>
+              <a:t>Develop heuristics to identify and extract bash commands automatically from a web page</a:t>
+            </a:r>
+          </a:p>
+          <a:p>
+            <a:pPr marL="457200" indent="-457200">
+              <a:buFont typeface="+mj-lt"/>
+              <a:buAutoNum type="arabicPeriod"/>
+            </a:pPr>
+            <a:r>
+              <a:rPr lang="en-US" sz="2400" dirty="0" smtClean="0"/>
+              <a:t>In-page link to jump to explainshell.com</a:t>
+            </a:r>
+          </a:p>
+          <a:p>
+            <a:pPr marL="457200" indent="-457200">
+              <a:buFont typeface="+mj-lt"/>
+              <a:buAutoNum type="arabicPeriod"/>
+            </a:pPr>
+            <a:r>
+              <a:rPr lang="en-US" sz="2400" dirty="0" smtClean="0"/>
+              <a:t>Insert in-page summary on hover</a:t>
+            </a:r>
+          </a:p>
+          <a:p>
+            <a:pPr marL="457200" indent="-457200">
+              <a:buFont typeface="+mj-lt"/>
+              <a:buAutoNum type="arabicPeriod"/>
+            </a:pPr>
+            <a:r>
+              <a:rPr lang="en-US" sz="2400" dirty="0" smtClean="0"/>
+              <a:t>Develop backend analytics site</a:t>
+            </a:r>
+          </a:p>
+          <a:p>
+            <a:pPr marL="457200" indent="-457200">
+              <a:buFont typeface="+mj-lt"/>
+              <a:buAutoNum type="arabicPeriod"/>
+            </a:pPr>
+            <a:r>
+              <a:rPr lang="en-US" sz="2400" dirty="0" smtClean="0"/>
+              <a:t>Integrate analytics site with Chrome extension</a:t>
+            </a:r>
+          </a:p>
+        </p:txBody>
+      </p:sp>
+      <p:sp>
+        <p:nvSpPr>
+          <p:cNvPr id="5" name="TextBox 4"/>
           <p:cNvSpPr txBox="1"/>
           <p:nvPr/>
         </p:nvSpPr>
@@ -5649,7 +6290,13 @@
               <a:rPr lang="en-US" sz="2000" dirty="0" smtClean="0">
                 <a:latin typeface="+mj-lt"/>
               </a:rPr>
-              <a:t>      Results      Demo      Summary</a:t>
+              <a:t>      Results      </a:t>
+            </a:r>
+            <a:r>
+              <a:rPr lang="en-US" sz="2000" dirty="0" smtClean="0">
+                <a:latin typeface="+mj-lt"/>
+              </a:rPr>
+              <a:t>Summary      Demo</a:t>
             </a:r>
             <a:endParaRPr lang="en-US" sz="2000" dirty="0">
               <a:latin typeface="+mj-lt"/>
@@ -5660,7 +6307,7 @@
     </p:spTree>
     <p:extLst>
       <p:ext uri="{BB962C8B-B14F-4D97-AF65-F5344CB8AC3E}">
-        <p14:creationId xmlns:p14="http://schemas.microsoft.com/office/powerpoint/2010/main" val="2298003017"/>
+        <p14:creationId xmlns:p14="http://schemas.microsoft.com/office/powerpoint/2010/main" val="2735170135"/>
       </p:ext>
     </p:extLst>
   </p:cSld>
@@ -5711,7 +6358,7 @@
           <a:p>
             <a:r>
               <a:rPr lang="en-US" dirty="0" smtClean="0"/>
-              <a:t>Revised Schedule</a:t>
+              <a:t>Original Schedule</a:t>
             </a:r>
             <a:endParaRPr lang="en-US" dirty="0"/>
           </a:p>
@@ -5741,14 +6388,14 @@
         </p:blipFill>
         <p:spPr>
           <a:xfrm>
-            <a:off x="1040182" y="2779324"/>
-            <a:ext cx="7109355" cy="1920240"/>
+            <a:off x="822325" y="2432685"/>
+            <a:ext cx="7543800" cy="2849880"/>
           </a:xfrm>
         </p:spPr>
       </p:pic>
       <p:sp>
         <p:nvSpPr>
-          <p:cNvPr id="4" name="TextBox 3"/>
+          <p:cNvPr id="6" name="TextBox 5"/>
           <p:cNvSpPr txBox="1"/>
           <p:nvPr/>
         </p:nvSpPr>
@@ -5796,7 +6443,13 @@
               <a:rPr lang="en-US" sz="2000" dirty="0" smtClean="0">
                 <a:latin typeface="+mj-lt"/>
               </a:rPr>
-              <a:t>      Results      Demo      Summary</a:t>
+              <a:t>      Results      </a:t>
+            </a:r>
+            <a:r>
+              <a:rPr lang="en-US" sz="2000" dirty="0" smtClean="0">
+                <a:latin typeface="+mj-lt"/>
+              </a:rPr>
+              <a:t>Summary      Demo</a:t>
             </a:r>
             <a:endParaRPr lang="en-US" sz="2000" dirty="0">
               <a:latin typeface="+mj-lt"/>
@@ -5807,7 +6460,7 @@
     </p:spTree>
     <p:extLst>
       <p:ext uri="{BB962C8B-B14F-4D97-AF65-F5344CB8AC3E}">
-        <p14:creationId xmlns:p14="http://schemas.microsoft.com/office/powerpoint/2010/main" val="1367375115"/>
+        <p14:creationId xmlns:p14="http://schemas.microsoft.com/office/powerpoint/2010/main" val="2298003017"/>
       </p:ext>
     </p:extLst>
   </p:cSld>
